--- a/WDSR - ćwiczenie 1.pptx
+++ b/WDSR - ćwiczenie 1.pptx
@@ -6477,7 +6477,7 @@
           <a:graphicData uri="http://schemas.openxmlformats.org/presentationml/2006/ole">
             <mc:AlternateContent xmlns:mc="http://schemas.openxmlformats.org/markup-compatibility/2006">
               <mc:Choice xmlns:v="urn:schemas-microsoft-com:vml" Requires="v">
-                <p:oleObj spid="_x0000_s2216" name="think-cell Folie" r:id="rId4" imgW="305" imgH="303" progId="TCLayout.ActiveDocument.1">
+                <p:oleObj spid="_x0000_s2220" name="think-cell Folie" r:id="rId4" imgW="305" imgH="303" progId="TCLayout.ActiveDocument.1">
                   <p:embed/>
                 </p:oleObj>
               </mc:Choice>
@@ -6874,7 +6874,7 @@
           <a:graphicData uri="http://schemas.openxmlformats.org/presentationml/2006/ole">
             <mc:AlternateContent xmlns:mc="http://schemas.openxmlformats.org/markup-compatibility/2006">
               <mc:Choice xmlns:v="urn:schemas-microsoft-com:vml" Requires="v">
-                <p:oleObj spid="_x0000_s1197" name="think-cell Folie" r:id="rId13" imgW="305" imgH="303" progId="TCLayout.ActiveDocument.1">
+                <p:oleObj spid="_x0000_s1201" name="think-cell Folie" r:id="rId13" imgW="305" imgH="303" progId="TCLayout.ActiveDocument.1">
                   <p:embed/>
                 </p:oleObj>
               </mc:Choice>
@@ -8869,7 +8869,7 @@
               <a:rPr lang="pl-PL" dirty="0" smtClean="0">
                 <a:hlinkClick r:id="rId3"/>
               </a:rPr>
-              <a:t>github.com/wdsr/exercise1b.git</a:t>
+              <a:t>github.com/m-kolodziejski/exercise1b</a:t>
             </a:r>
             <a:endParaRPr lang="pl-PL" dirty="0" smtClean="0"/>
           </a:p>
@@ -14112,7 +14112,7 @@
               <a:rPr lang="pl-PL" dirty="0" smtClean="0">
                 <a:hlinkClick r:id="rId3"/>
               </a:rPr>
-              <a:t>github.com/wdsr/exercise1c.git</a:t>
+              <a:t>github.com/m-kolodziejski/exercise1c</a:t>
             </a:r>
             <a:endParaRPr lang="pl-PL" dirty="0" smtClean="0"/>
           </a:p>
@@ -15280,7 +15280,7 @@
               <a:rPr lang="pl-PL" dirty="0" smtClean="0">
                 <a:hlinkClick r:id="rId3"/>
               </a:rPr>
-              <a:t>github.com/wdsr/exercise1d.git</a:t>
+              <a:t>github.com/m-kolodziejski/exercise1d</a:t>
             </a:r>
             <a:endParaRPr lang="pl-PL" dirty="0" smtClean="0"/>
           </a:p>
@@ -17316,7 +17316,7 @@
               <a:rPr lang="pl-PL" dirty="0" smtClean="0">
                 <a:hlinkClick r:id="rId3"/>
               </a:rPr>
-              <a:t>github.com/wdsr/exercise1e.git</a:t>
+              <a:t>github.com/m-kolodziejski/exercise1e</a:t>
             </a:r>
             <a:endParaRPr lang="pl-PL" dirty="0" smtClean="0"/>
           </a:p>
@@ -17637,21 +17637,18 @@
               <a:t>Ostateczny termin zaliczenia ćwiczenia: </a:t>
             </a:r>
             <a:r>
-              <a:rPr lang="pl-PL" sz="1600" b="1" dirty="0" smtClean="0">
+              <a:rPr lang="pl-PL" sz="1600" b="1" smtClean="0">
                 <a:solidFill>
                   <a:srgbClr val="00B050"/>
                 </a:solidFill>
               </a:rPr>
-              <a:t>środa 8 </a:t>
-            </a:r>
-            <a:r>
-              <a:rPr lang="pl-PL" sz="1600" b="1" dirty="0" smtClean="0">
-                <a:solidFill>
-                  <a:srgbClr val="00B050"/>
-                </a:solidFill>
-              </a:rPr>
-              <a:t>marca</a:t>
-            </a:r>
+              <a:t>środa 15 marca</a:t>
+            </a:r>
+            <a:endParaRPr lang="pl-PL" sz="1600" b="1" dirty="0" smtClean="0">
+              <a:solidFill>
+                <a:srgbClr val="00B050"/>
+              </a:solidFill>
+            </a:endParaRPr>
           </a:p>
           <a:p>
             <a:pPr>
@@ -18900,10 +18897,16 @@
           <a:p>
             <a:pPr lvl="1"/>
             <a:r>
+              <a:rPr lang="pl-PL" dirty="0">
+                <a:hlinkClick r:id="rId4"/>
+              </a:rPr>
+              <a:t>https://</a:t>
+            </a:r>
+            <a:r>
               <a:rPr lang="pl-PL" dirty="0" smtClean="0">
                 <a:hlinkClick r:id="rId4"/>
               </a:rPr>
-              <a:t>https://github.com/wdsr/exercise1a.git</a:t>
+              <a:t>github.com/m-kolodziejski/exercise1a.git</a:t>
             </a:r>
             <a:endParaRPr lang="pl-PL" dirty="0" smtClean="0"/>
           </a:p>
